--- a/Files/PTM Project.pptx
+++ b/Files/PTM Project.pptx
@@ -108,6 +108,11 @@
       </a:defRPr>
     </a:lvl9pPr>
   </p:defaultTextStyle>
+  <p:extLst>
+    <p:ext uri="{EFAFB233-063F-42B5-8137-9DF3F51BA10A}">
+      <p15:sldGuideLst xmlns:p15="http://schemas.microsoft.com/office/powerpoint/2012/main"/>
+    </p:ext>
+  </p:extLst>
 </p:presentation>
 </file>
 
@@ -270,7 +275,7 @@
           <a:p>
             <a:fld id="{0DAF61AA-5A98-4049-A93E-477E5505141A}" type="datetimeFigureOut">
               <a:rPr lang="en-US" smtClean="0"/>
-              <a:t>6/17/2021</a:t>
+              <a:t>6/21/2021</a:t>
             </a:fld>
             <a:endParaRPr lang="en-US" dirty="0"/>
           </a:p>
@@ -468,7 +473,7 @@
           <a:p>
             <a:fld id="{0DAF61AA-5A98-4049-A93E-477E5505141A}" type="datetimeFigureOut">
               <a:rPr lang="en-US" smtClean="0"/>
-              <a:t>6/17/2021</a:t>
+              <a:t>6/21/2021</a:t>
             </a:fld>
             <a:endParaRPr lang="en-US"/>
           </a:p>
@@ -676,7 +681,7 @@
           <a:p>
             <a:fld id="{0DAF61AA-5A98-4049-A93E-477E5505141A}" type="datetimeFigureOut">
               <a:rPr lang="en-US" smtClean="0"/>
-              <a:t>6/17/2021</a:t>
+              <a:t>6/21/2021</a:t>
             </a:fld>
             <a:endParaRPr lang="en-US"/>
           </a:p>
@@ -874,7 +879,7 @@
           <a:p>
             <a:fld id="{0DAF61AA-5A98-4049-A93E-477E5505141A}" type="datetimeFigureOut">
               <a:rPr lang="en-US" smtClean="0"/>
-              <a:t>6/17/2021</a:t>
+              <a:t>6/21/2021</a:t>
             </a:fld>
             <a:endParaRPr lang="en-US"/>
           </a:p>
@@ -1149,7 +1154,7 @@
           <a:p>
             <a:fld id="{0DAF61AA-5A98-4049-A93E-477E5505141A}" type="datetimeFigureOut">
               <a:rPr lang="en-US" smtClean="0"/>
-              <a:t>6/17/2021</a:t>
+              <a:t>6/21/2021</a:t>
             </a:fld>
             <a:endParaRPr lang="en-US"/>
           </a:p>
@@ -1414,7 +1419,7 @@
           <a:p>
             <a:fld id="{0DAF61AA-5A98-4049-A93E-477E5505141A}" type="datetimeFigureOut">
               <a:rPr lang="en-US" smtClean="0"/>
-              <a:t>6/17/2021</a:t>
+              <a:t>6/21/2021</a:t>
             </a:fld>
             <a:endParaRPr lang="en-US"/>
           </a:p>
@@ -1826,7 +1831,7 @@
           <a:p>
             <a:fld id="{0DAF61AA-5A98-4049-A93E-477E5505141A}" type="datetimeFigureOut">
               <a:rPr lang="en-US" smtClean="0"/>
-              <a:t>6/17/2021</a:t>
+              <a:t>6/21/2021</a:t>
             </a:fld>
             <a:endParaRPr lang="en-US"/>
           </a:p>
@@ -1967,7 +1972,7 @@
           <a:p>
             <a:fld id="{0DAF61AA-5A98-4049-A93E-477E5505141A}" type="datetimeFigureOut">
               <a:rPr lang="en-US" smtClean="0"/>
-              <a:t>6/17/2021</a:t>
+              <a:t>6/21/2021</a:t>
             </a:fld>
             <a:endParaRPr lang="en-US"/>
           </a:p>
@@ -2080,7 +2085,7 @@
           <a:p>
             <a:fld id="{0DAF61AA-5A98-4049-A93E-477E5505141A}" type="datetimeFigureOut">
               <a:rPr lang="en-US" smtClean="0"/>
-              <a:t>6/17/2021</a:t>
+              <a:t>6/21/2021</a:t>
             </a:fld>
             <a:endParaRPr lang="en-US"/>
           </a:p>
@@ -2391,7 +2396,7 @@
           <a:p>
             <a:fld id="{0DAF61AA-5A98-4049-A93E-477E5505141A}" type="datetimeFigureOut">
               <a:rPr lang="en-US" smtClean="0"/>
-              <a:t>6/17/2021</a:t>
+              <a:t>6/21/2021</a:t>
             </a:fld>
             <a:endParaRPr lang="en-US"/>
           </a:p>
@@ -2682,7 +2687,7 @@
           <a:p>
             <a:fld id="{0DAF61AA-5A98-4049-A93E-477E5505141A}" type="datetimeFigureOut">
               <a:rPr lang="en-US" smtClean="0"/>
-              <a:t>6/17/2021</a:t>
+              <a:t>6/21/2021</a:t>
             </a:fld>
             <a:endParaRPr lang="en-US"/>
           </a:p>
@@ -6370,7 +6375,7 @@
             <a:fld id="{0DAF61AA-5A98-4049-A93E-477E5505141A}" type="datetimeFigureOut">
               <a:rPr lang="en-US" smtClean="0"/>
               <a:pPr/>
-              <a:t>6/17/2021</a:t>
+              <a:t>6/21/2021</a:t>
             </a:fld>
             <a:endParaRPr lang="en-US" dirty="0"/>
           </a:p>
@@ -14449,21 +14454,8 @@
                   <a:srgbClr val="FFFFFF"/>
                 </a:solidFill>
               </a:rPr>
-              <a:t>*Niv </a:t>
+              <a:t>Niv Vaknin</a:t>
             </a:r>
-            <a:r>
-              <a:rPr lang="en-US" sz="2200" dirty="0" err="1">
-                <a:solidFill>
-                  <a:srgbClr val="FFFFFF"/>
-                </a:solidFill>
-              </a:rPr>
-              <a:t>Vaknin</a:t>
-            </a:r>
-            <a:endParaRPr lang="en-US" sz="2200" dirty="0">
-              <a:solidFill>
-                <a:srgbClr val="FFFFFF"/>
-              </a:solidFill>
-            </a:endParaRPr>
           </a:p>
           <a:p>
             <a:pPr marL="342900" indent="-342900">
@@ -14476,37 +14468,8 @@
                   <a:srgbClr val="FFFFFF"/>
                 </a:solidFill>
               </a:rPr>
-              <a:t>* </a:t>
+              <a:t> Eynav Ptia</a:t>
             </a:r>
-            <a:r>
-              <a:rPr lang="en-US" sz="2200" dirty="0" err="1">
-                <a:solidFill>
-                  <a:srgbClr val="FFFFFF"/>
-                </a:solidFill>
-              </a:rPr>
-              <a:t>Eynav</a:t>
-            </a:r>
-            <a:r>
-              <a:rPr lang="en-US" sz="2200" dirty="0">
-                <a:solidFill>
-                  <a:srgbClr val="FFFFFF"/>
-                </a:solidFill>
-              </a:rPr>
-              <a:t> </a:t>
-            </a:r>
-            <a:r>
-              <a:rPr lang="en-US" sz="2200" dirty="0" err="1">
-                <a:solidFill>
-                  <a:srgbClr val="FFFFFF"/>
-                </a:solidFill>
-              </a:rPr>
-              <a:t>Ptia</a:t>
-            </a:r>
-            <a:endParaRPr lang="en-US" sz="2200" dirty="0">
-              <a:solidFill>
-                <a:srgbClr val="FFFFFF"/>
-              </a:solidFill>
-            </a:endParaRPr>
           </a:p>
           <a:p>
             <a:pPr marL="342900" indent="-342900">
@@ -14519,21 +14482,8 @@
                   <a:srgbClr val="FFFFFF"/>
                 </a:solidFill>
               </a:rPr>
-              <a:t>*Samuel </a:t>
+              <a:t>Samuel Krief</a:t>
             </a:r>
-            <a:r>
-              <a:rPr lang="en-US" sz="2200" dirty="0" err="1">
-                <a:solidFill>
-                  <a:srgbClr val="FFFFFF"/>
-                </a:solidFill>
-              </a:rPr>
-              <a:t>Krief</a:t>
-            </a:r>
-            <a:endParaRPr lang="en-US" sz="2200" dirty="0">
-              <a:solidFill>
-                <a:srgbClr val="FFFFFF"/>
-              </a:solidFill>
-            </a:endParaRPr>
           </a:p>
           <a:p>
             <a:pPr marL="342900" indent="-342900">
@@ -14546,7 +14496,7 @@
                   <a:srgbClr val="FFFFFF"/>
                 </a:solidFill>
               </a:rPr>
-              <a:t>* Koral Duel</a:t>
+              <a:t> Koral Duel</a:t>
             </a:r>
             <a:endParaRPr lang="he-IL" sz="2200" dirty="0">
               <a:solidFill>
@@ -22409,7 +22359,7 @@
         </p:nvSpPr>
         <p:spPr>
           <a:xfrm>
-            <a:off x="784411" y="188260"/>
+            <a:off x="753931" y="-96220"/>
             <a:ext cx="5446059" cy="1325563"/>
           </a:xfrm>
         </p:spPr>
@@ -22418,12 +22368,8 @@
           <a:lstStyle/>
           <a:p>
             <a:r>
-              <a:rPr lang="en-US" dirty="0" err="1"/>
-              <a:t>Mvvm</a:t>
-            </a:r>
-            <a:r>
               <a:rPr lang="en-US" dirty="0"/>
-              <a:t> Architecture</a:t>
+              <a:t>MVVM Architecture</a:t>
             </a:r>
             <a:endParaRPr lang="he-IL" dirty="0"/>
           </a:p>
@@ -22434,7 +22380,7 @@
           <p:cNvPr id="5" name="תמונה 4">
             <a:extLst>
               <a:ext uri="{FF2B5EF4-FFF2-40B4-BE49-F238E27FC236}">
-                <a16:creationId xmlns:a16="http://schemas.microsoft.com/office/drawing/2014/main" id="{36F38CF0-BAE8-44ED-9CA2-8F99203BEA6E}"/>
+                <a16:creationId xmlns:a16="http://schemas.microsoft.com/office/drawing/2014/main" id="{F6D3A9BB-C86F-40D5-9224-33E35FED7A05}"/>
               </a:ext>
             </a:extLst>
           </p:cNvPr>
@@ -22457,8 +22403,38 @@
         </p:blipFill>
         <p:spPr>
           <a:xfrm>
-            <a:off x="692198" y="1272988"/>
-            <a:ext cx="10352319" cy="5432611"/>
+            <a:off x="353509" y="886460"/>
+            <a:ext cx="11084560" cy="5971540"/>
+          </a:xfrm>
+          <a:prstGeom prst="rect">
+            <a:avLst/>
+          </a:prstGeom>
+        </p:spPr>
+      </p:pic>
+      <p:pic>
+        <p:nvPicPr>
+          <p:cNvPr id="9" name="תמונה 8">
+            <a:extLst>
+              <a:ext uri="{FF2B5EF4-FFF2-40B4-BE49-F238E27FC236}">
+                <a16:creationId xmlns:a16="http://schemas.microsoft.com/office/drawing/2014/main" id="{C12580C4-9016-4428-8AE5-13916747118A}"/>
+              </a:ext>
+            </a:extLst>
+          </p:cNvPr>
+          <p:cNvPicPr>
+            <a:picLocks noChangeAspect="1"/>
+          </p:cNvPicPr>
+          <p:nvPr/>
+        </p:nvPicPr>
+        <p:blipFill>
+          <a:blip r:embed="rId3"/>
+          <a:stretch>
+            <a:fillRect/>
+          </a:stretch>
+        </p:blipFill>
+        <p:spPr>
+          <a:xfrm>
+            <a:off x="353509" y="4169634"/>
+            <a:ext cx="5446058" cy="2688366"/>
           </a:xfrm>
           <a:prstGeom prst="rect">
             <a:avLst/>
@@ -22545,13 +22521,13 @@
         </p:nvPicPr>
         <p:blipFill rotWithShape="1">
           <a:blip r:embed="rId2"/>
-          <a:srcRect r="19447"/>
+          <a:srcRect t="13688" r="26964" b="7374"/>
           <a:stretch/>
         </p:blipFill>
         <p:spPr>
           <a:xfrm>
-            <a:off x="216109" y="958789"/>
-            <a:ext cx="7784891" cy="5984936"/>
+            <a:off x="207572" y="924559"/>
+            <a:ext cx="7717228" cy="5816887"/>
           </a:xfrm>
           <a:prstGeom prst="rect">
             <a:avLst/>
@@ -22573,7 +22549,7 @@
         <p:spPr>
           <a:xfrm>
             <a:off x="9552373" y="3027927"/>
-            <a:ext cx="2485747" cy="923330"/>
+            <a:ext cx="2485747" cy="1477328"/>
           </a:xfrm>
           <a:prstGeom prst="rect">
             <a:avLst/>
@@ -22589,7 +22565,7 @@
             <a:pPr algn="l"/>
             <a:r>
               <a:rPr lang="en-US" dirty="0"/>
-              <a:t>In this class the link to the Flight Gear is made</a:t>
+              <a:t>This class is responsible for the link between flight data to flight displayer</a:t>
             </a:r>
             <a:endParaRPr lang="he-IL" dirty="0"/>
           </a:p>
@@ -22678,16 +22654,15 @@
           </p:cNvPicPr>
           <p:nvPr/>
         </p:nvPicPr>
-        <p:blipFill>
+        <p:blipFill rotWithShape="1">
           <a:blip r:embed="rId2"/>
-          <a:stretch>
-            <a:fillRect/>
-          </a:stretch>
+          <a:srcRect t="4740" r="32098" b="3704"/>
+          <a:stretch/>
         </p:blipFill>
         <p:spPr>
           <a:xfrm>
-            <a:off x="172388" y="0"/>
-            <a:ext cx="8065337" cy="6858000"/>
+            <a:off x="-75554" y="253999"/>
+            <a:ext cx="8162914" cy="6604001"/>
           </a:xfrm>
           <a:prstGeom prst="rect">
             <a:avLst/>
@@ -22725,7 +22700,7 @@
             <a:pPr algn="l"/>
             <a:r>
               <a:rPr lang="en-US" dirty="0"/>
-              <a:t>This class is responsible for loading data from csv file and saving it as object</a:t>
+              <a:t>This class is responsible for load data from a csv file and save it as an object</a:t>
             </a:r>
             <a:endParaRPr lang="he-IL" dirty="0"/>
           </a:p>
